--- a/01_Data_Manipulation/Data_Manipulation.pptx
+++ b/01_Data_Manipulation/Data_Manipulation.pptx
@@ -13,6 +13,7 @@
     <p:sldId id="272" r:id="rId7"/>
     <p:sldId id="267" r:id="rId8"/>
     <p:sldId id="279" r:id="rId9"/>
+    <p:sldId id="280" r:id="rId10"/>
   </p:sldIdLst>
   <p:sldSz cx="12192000" cy="6858000"/>
   <p:notesSz cx="6858000" cy="9144000"/>
@@ -10406,7 +10407,7 @@
           <a:p>
             <a:fld id="{EA0C0817-A112-4847-8014-A94B7D2A4EA3}" type="datetime1">
               <a:rPr lang="en-US" smtClean="0"/>
-              <a:t>1/29/2020</a:t>
+              <a:t>1/31/2020</a:t>
             </a:fld>
             <a:endParaRPr lang="en-US" dirty="0"/>
           </a:p>
@@ -11494,7 +11495,7 @@
           <a:p>
             <a:fld id="{F6FA2B21-3FCD-4721-B95C-427943F61125}" type="datetime1">
               <a:rPr lang="en-US" smtClean="0"/>
-              <a:t>1/29/2020</a:t>
+              <a:t>1/31/2020</a:t>
             </a:fld>
             <a:endParaRPr lang="en-US"/>
           </a:p>
@@ -12475,7 +12476,7 @@
           <a:p>
             <a:fld id="{F6FA2B21-3FCD-4721-B95C-427943F61125}" type="datetime1">
               <a:rPr lang="en-US" smtClean="0"/>
-              <a:t>1/29/2020</a:t>
+              <a:t>1/31/2020</a:t>
             </a:fld>
             <a:endParaRPr lang="en-US"/>
           </a:p>
@@ -13610,7 +13611,7 @@
           <a:p>
             <a:fld id="{F6FA2B21-3FCD-4721-B95C-427943F61125}" type="datetime1">
               <a:rPr lang="en-US" smtClean="0"/>
-              <a:t>1/29/2020</a:t>
+              <a:t>1/31/2020</a:t>
             </a:fld>
             <a:endParaRPr lang="en-US"/>
           </a:p>
@@ -14644,7 +14645,7 @@
           <a:p>
             <a:fld id="{F6FA2B21-3FCD-4721-B95C-427943F61125}" type="datetime1">
               <a:rPr lang="en-US" smtClean="0"/>
-              <a:t>1/29/2020</a:t>
+              <a:t>1/31/2020</a:t>
             </a:fld>
             <a:endParaRPr lang="en-US"/>
           </a:p>
@@ -15305,7 +15306,7 @@
           <a:p>
             <a:fld id="{F6FA2B21-3FCD-4721-B95C-427943F61125}" type="datetime1">
               <a:rPr lang="en-US" smtClean="0"/>
-              <a:t>1/29/2020</a:t>
+              <a:t>1/31/2020</a:t>
             </a:fld>
             <a:endParaRPr lang="en-US"/>
           </a:p>
@@ -16167,7 +16168,7 @@
           <a:p>
             <a:fld id="{F6FA2B21-3FCD-4721-B95C-427943F61125}" type="datetime1">
               <a:rPr lang="en-US" smtClean="0"/>
-              <a:t>1/29/2020</a:t>
+              <a:t>1/31/2020</a:t>
             </a:fld>
             <a:endParaRPr lang="en-US"/>
           </a:p>
@@ -16358,7 +16359,7 @@
           <a:p>
             <a:fld id="{134F40B7-36AB-4376-BE14-EF7004D79BB9}" type="datetime1">
               <a:rPr lang="en-US" smtClean="0"/>
-              <a:t>1/29/2020</a:t>
+              <a:t>1/31/2020</a:t>
             </a:fld>
             <a:endParaRPr lang="en-US"/>
           </a:p>
@@ -17330,7 +17331,7 @@
           <a:p>
             <a:fld id="{FF87CAB8-DCAE-46A5-AADA-B3FAD11A54E0}" type="datetime1">
               <a:rPr lang="en-US" smtClean="0"/>
-              <a:t>1/29/2020</a:t>
+              <a:t>1/31/2020</a:t>
             </a:fld>
             <a:endParaRPr lang="en-US"/>
           </a:p>
@@ -17541,7 +17542,7 @@
           <a:p>
             <a:fld id="{7332B432-ACDA-4023-A761-2BAB76577B62}" type="datetime1">
               <a:rPr lang="en-US" smtClean="0"/>
-              <a:t>1/29/2020</a:t>
+              <a:t>1/31/2020</a:t>
             </a:fld>
             <a:endParaRPr lang="en-US"/>
           </a:p>
@@ -18575,7 +18576,7 @@
           <a:p>
             <a:fld id="{D9C646AA-F36E-4540-911D-FFFC0A0EF24A}" type="datetime1">
               <a:rPr lang="en-US" smtClean="0"/>
-              <a:t>1/29/2020</a:t>
+              <a:t>1/31/2020</a:t>
             </a:fld>
             <a:endParaRPr lang="en-US" dirty="0"/>
           </a:p>
@@ -18847,7 +18848,7 @@
           <a:p>
             <a:fld id="{69186D26-FA5F-4637-B602-B7C2DC34CFD4}" type="datetime1">
               <a:rPr lang="en-US" smtClean="0"/>
-              <a:t>1/29/2020</a:t>
+              <a:t>1/31/2020</a:t>
             </a:fld>
             <a:endParaRPr lang="en-US"/>
           </a:p>
@@ -19257,7 +19258,7 @@
           <a:p>
             <a:fld id="{8A7F15D8-96D1-4781-BC50-CA8A088B2FE4}" type="datetime1">
               <a:rPr lang="en-US" smtClean="0"/>
-              <a:t>1/29/2020</a:t>
+              <a:t>1/31/2020</a:t>
             </a:fld>
             <a:endParaRPr lang="en-US"/>
           </a:p>
@@ -19384,7 +19385,7 @@
           <a:p>
             <a:fld id="{F9A96C99-B8F8-4528-BD05-0E16E943DC09}" type="datetime1">
               <a:rPr lang="en-US" smtClean="0"/>
-              <a:t>1/29/2020</a:t>
+              <a:t>1/31/2020</a:t>
             </a:fld>
             <a:endParaRPr lang="en-US"/>
           </a:p>
@@ -19479,7 +19480,7 @@
           <a:p>
             <a:fld id="{03636942-C211-4B28-8DBD-C953E00AF71B}" type="datetime1">
               <a:rPr lang="en-US" smtClean="0"/>
-              <a:t>1/29/2020</a:t>
+              <a:t>1/31/2020</a:t>
             </a:fld>
             <a:endParaRPr lang="en-US"/>
           </a:p>
@@ -20560,7 +20561,7 @@
           <a:p>
             <a:fld id="{7E8D12A6-918A-48BD-8CB9-CA713993B0EA}" type="datetime1">
               <a:rPr lang="en-US" smtClean="0"/>
-              <a:t>1/29/2020</a:t>
+              <a:t>1/31/2020</a:t>
             </a:fld>
             <a:endParaRPr lang="en-US"/>
           </a:p>
@@ -21669,7 +21670,7 @@
             <a:fld id="{E778CE86-875F-4587-BCF6-FA054AFC0D53}" type="datetime1">
               <a:rPr lang="en-US" smtClean="0"/>
               <a:pPr/>
-              <a:t>1/29/2020</a:t>
+              <a:t>1/31/2020</a:t>
             </a:fld>
             <a:endParaRPr lang="en-US" dirty="0"/>
           </a:p>
@@ -22667,7 +22668,7 @@
           <a:p>
             <a:fld id="{F6FA2B21-3FCD-4721-B95C-427943F61125}" type="datetime1">
               <a:rPr lang="en-US" smtClean="0"/>
-              <a:t>1/29/2020</a:t>
+              <a:t>1/31/2020</a:t>
             </a:fld>
             <a:endParaRPr lang="en-US"/>
           </a:p>
@@ -30780,6 +30781,106 @@
 </p:sld>
 </file>
 
+<file path=ppt/slides/slide9.xml><?xml version="1.0" encoding="utf-8"?>
+<p:sld xmlns:a="http://schemas.openxmlformats.org/drawingml/2006/main" xmlns:r="http://schemas.openxmlformats.org/officeDocument/2006/relationships" xmlns:p="http://schemas.openxmlformats.org/presentationml/2006/main">
+  <p:cSld>
+    <p:spTree>
+      <p:nvGrpSpPr>
+        <p:cNvPr id="1" name=""/>
+        <p:cNvGrpSpPr/>
+        <p:nvPr/>
+      </p:nvGrpSpPr>
+      <p:grpSpPr>
+        <a:xfrm>
+          <a:off x="0" y="0"/>
+          <a:ext cx="0" cy="0"/>
+          <a:chOff x="0" y="0"/>
+          <a:chExt cx="0" cy="0"/>
+        </a:xfrm>
+      </p:grpSpPr>
+      <p:sp>
+        <p:nvSpPr>
+          <p:cNvPr id="2" name="Title 1">
+            <a:extLst>
+              <a:ext uri="{FF2B5EF4-FFF2-40B4-BE49-F238E27FC236}">
+                <a16:creationId xmlns:a16="http://schemas.microsoft.com/office/drawing/2014/main" id="{99846122-BFE2-4193-BD4B-59DE14FF8A6E}"/>
+              </a:ext>
+            </a:extLst>
+          </p:cNvPr>
+          <p:cNvSpPr>
+            <a:spLocks noGrp="1"/>
+          </p:cNvSpPr>
+          <p:nvPr>
+            <p:ph type="title"/>
+          </p:nvPr>
+        </p:nvSpPr>
+        <p:spPr/>
+        <p:txBody>
+          <a:bodyPr/>
+          <a:lstStyle/>
+          <a:p>
+            <a:r>
+              <a:rPr lang="en-US" dirty="0"/>
+              <a:t>Homework</a:t>
+            </a:r>
+          </a:p>
+        </p:txBody>
+      </p:sp>
+      <p:sp>
+        <p:nvSpPr>
+          <p:cNvPr id="3" name="Content Placeholder 2">
+            <a:extLst>
+              <a:ext uri="{FF2B5EF4-FFF2-40B4-BE49-F238E27FC236}">
+                <a16:creationId xmlns:a16="http://schemas.microsoft.com/office/drawing/2014/main" id="{2BA21136-B551-4138-B784-5B6964DBB584}"/>
+              </a:ext>
+            </a:extLst>
+          </p:cNvPr>
+          <p:cNvSpPr>
+            <a:spLocks noGrp="1"/>
+          </p:cNvSpPr>
+          <p:nvPr>
+            <p:ph idx="1"/>
+          </p:nvPr>
+        </p:nvSpPr>
+        <p:spPr/>
+        <p:txBody>
+          <a:bodyPr/>
+          <a:lstStyle/>
+          <a:p>
+            <a:r>
+              <a:rPr lang="en-US" dirty="0"/>
+              <a:t>Complete ‘Work with Data’ module on </a:t>
+            </a:r>
+            <a:r>
+              <a:rPr lang="en-US" dirty="0" err="1"/>
+              <a:t>rstudio.cloud</a:t>
+            </a:r>
+            <a:endParaRPr lang="en-US" dirty="0"/>
+          </a:p>
+          <a:p>
+            <a:r>
+              <a:rPr lang="en-US" dirty="0">
+                <a:hlinkClick r:id="rId2"/>
+              </a:rPr>
+              <a:t>https://rstudio.cloud/learn/primers/2</a:t>
+            </a:r>
+            <a:endParaRPr lang="en-US" dirty="0"/>
+          </a:p>
+        </p:txBody>
+      </p:sp>
+    </p:spTree>
+    <p:extLst>
+      <p:ext uri="{BB962C8B-B14F-4D97-AF65-F5344CB8AC3E}">
+        <p14:creationId xmlns:p14="http://schemas.microsoft.com/office/powerpoint/2010/main" val="1260635264"/>
+      </p:ext>
+    </p:extLst>
+  </p:cSld>
+  <p:clrMapOvr>
+    <a:masterClrMapping/>
+  </p:clrMapOvr>
+</p:sld>
+</file>
+
 <file path=ppt/theme/theme1.xml><?xml version="1.0" encoding="utf-8"?>
 <a:theme xmlns:a="http://schemas.openxmlformats.org/drawingml/2006/main" name="Ion Boardroom">
   <a:themeElements>
